--- a/Calendario/Presentaciones/2_SolucionProblemas.pptx
+++ b/Calendario/Presentaciones/2_SolucionProblemas.pptx
@@ -229,7 +229,7 @@
           <a:p>
             <a:fld id="{2D445F07-8756-451B-A938-0248325FC7BB}" type="datetimeFigureOut">
               <a:rPr lang="es-MX" smtClean="0"/>
-              <a:t>17/01/2022</a:t>
+              <a:t>13/02/2022</a:t>
             </a:fld>
             <a:endParaRPr lang="es-MX" dirty="0"/>
           </a:p>
@@ -1518,7 +1518,7 @@
           <a:p>
             <a:fld id="{5E75A0DC-66C6-4CEC-A5EB-F8C97CEC3796}" type="datetimeFigureOut">
               <a:rPr lang="es-MX" smtClean="0"/>
-              <a:t>17/01/2022</a:t>
+              <a:t>13/02/2022</a:t>
             </a:fld>
             <a:endParaRPr lang="es-MX" dirty="0"/>
           </a:p>
@@ -1688,7 +1688,7 @@
           <a:p>
             <a:fld id="{5E75A0DC-66C6-4CEC-A5EB-F8C97CEC3796}" type="datetimeFigureOut">
               <a:rPr lang="es-MX" smtClean="0"/>
-              <a:t>17/01/2022</a:t>
+              <a:t>13/02/2022</a:t>
             </a:fld>
             <a:endParaRPr lang="es-MX" dirty="0"/>
           </a:p>
@@ -1868,7 +1868,7 @@
           <a:p>
             <a:fld id="{5E75A0DC-66C6-4CEC-A5EB-F8C97CEC3796}" type="datetimeFigureOut">
               <a:rPr lang="es-MX" smtClean="0"/>
-              <a:t>17/01/2022</a:t>
+              <a:t>13/02/2022</a:t>
             </a:fld>
             <a:endParaRPr lang="es-MX" dirty="0"/>
           </a:p>
@@ -2021,7 +2021,7 @@
           <a:p>
             <a:fld id="{1D8BD707-D9CF-40AE-B4C6-C98DA3205C09}" type="datetimeFigureOut">
               <a:rPr lang="en-US" smtClean="0"/>
-              <a:t>1/17/2022</a:t>
+              <a:t>2/13/2022</a:t>
             </a:fld>
             <a:endParaRPr lang="en-US"/>
           </a:p>
@@ -2145,7 +2145,7 @@
           <a:p>
             <a:fld id="{1D8BD707-D9CF-40AE-B4C6-C98DA3205C09}" type="datetimeFigureOut">
               <a:rPr lang="en-US" smtClean="0"/>
-              <a:t>1/17/2022</a:t>
+              <a:t>2/13/2022</a:t>
             </a:fld>
             <a:endParaRPr lang="en-US"/>
           </a:p>
@@ -2305,7 +2305,7 @@
           <a:p>
             <a:fld id="{5E75A0DC-66C6-4CEC-A5EB-F8C97CEC3796}" type="datetimeFigureOut">
               <a:rPr lang="es-MX" smtClean="0"/>
-              <a:t>17/01/2022</a:t>
+              <a:t>13/02/2022</a:t>
             </a:fld>
             <a:endParaRPr lang="es-MX" dirty="0"/>
           </a:p>
@@ -2551,7 +2551,7 @@
           <a:p>
             <a:fld id="{5E75A0DC-66C6-4CEC-A5EB-F8C97CEC3796}" type="datetimeFigureOut">
               <a:rPr lang="es-MX" smtClean="0"/>
-              <a:t>17/01/2022</a:t>
+              <a:t>13/02/2022</a:t>
             </a:fld>
             <a:endParaRPr lang="es-MX" dirty="0"/>
           </a:p>
@@ -2839,7 +2839,7 @@
           <a:p>
             <a:fld id="{5E75A0DC-66C6-4CEC-A5EB-F8C97CEC3796}" type="datetimeFigureOut">
               <a:rPr lang="es-MX" smtClean="0"/>
-              <a:t>17/01/2022</a:t>
+              <a:t>13/02/2022</a:t>
             </a:fld>
             <a:endParaRPr lang="es-MX" dirty="0"/>
           </a:p>
@@ -3261,7 +3261,7 @@
           <a:p>
             <a:fld id="{5E75A0DC-66C6-4CEC-A5EB-F8C97CEC3796}" type="datetimeFigureOut">
               <a:rPr lang="es-MX" smtClean="0"/>
-              <a:t>17/01/2022</a:t>
+              <a:t>13/02/2022</a:t>
             </a:fld>
             <a:endParaRPr lang="es-MX" dirty="0"/>
           </a:p>
@@ -3379,7 +3379,7 @@
           <a:p>
             <a:fld id="{5E75A0DC-66C6-4CEC-A5EB-F8C97CEC3796}" type="datetimeFigureOut">
               <a:rPr lang="es-MX" smtClean="0"/>
-              <a:t>17/01/2022</a:t>
+              <a:t>13/02/2022</a:t>
             </a:fld>
             <a:endParaRPr lang="es-MX" dirty="0"/>
           </a:p>
@@ -3474,7 +3474,7 @@
           <a:p>
             <a:fld id="{5E75A0DC-66C6-4CEC-A5EB-F8C97CEC3796}" type="datetimeFigureOut">
               <a:rPr lang="es-MX" smtClean="0"/>
-              <a:t>17/01/2022</a:t>
+              <a:t>13/02/2022</a:t>
             </a:fld>
             <a:endParaRPr lang="es-MX" dirty="0"/>
           </a:p>
@@ -3751,7 +3751,7 @@
           <a:p>
             <a:fld id="{5E75A0DC-66C6-4CEC-A5EB-F8C97CEC3796}" type="datetimeFigureOut">
               <a:rPr lang="es-MX" smtClean="0"/>
-              <a:t>17/01/2022</a:t>
+              <a:t>13/02/2022</a:t>
             </a:fld>
             <a:endParaRPr lang="es-MX" dirty="0"/>
           </a:p>
@@ -4004,7 +4004,7 @@
           <a:p>
             <a:fld id="{5E75A0DC-66C6-4CEC-A5EB-F8C97CEC3796}" type="datetimeFigureOut">
               <a:rPr lang="es-MX" smtClean="0"/>
-              <a:t>17/01/2022</a:t>
+              <a:t>13/02/2022</a:t>
             </a:fld>
             <a:endParaRPr lang="es-MX" dirty="0"/>
           </a:p>
@@ -4217,7 +4217,7 @@
           <a:p>
             <a:fld id="{5E75A0DC-66C6-4CEC-A5EB-F8C97CEC3796}" type="datetimeFigureOut">
               <a:rPr lang="es-MX" smtClean="0"/>
-              <a:t>17/01/2022</a:t>
+              <a:t>13/02/2022</a:t>
             </a:fld>
             <a:endParaRPr lang="es-MX" dirty="0"/>
           </a:p>
